--- a/Présentation Projet4.pptx
+++ b/Présentation Projet4.pptx
@@ -9,8 +9,17 @@
     <p:sldId id="257" r:id="rId3"/>
     <p:sldId id="258" r:id="rId4"/>
     <p:sldId id="259" r:id="rId5"/>
-    <p:sldId id="260" r:id="rId6"/>
-    <p:sldId id="261" r:id="rId7"/>
+    <p:sldId id="270" r:id="rId6"/>
+    <p:sldId id="260" r:id="rId7"/>
+    <p:sldId id="261" r:id="rId8"/>
+    <p:sldId id="262" r:id="rId9"/>
+    <p:sldId id="263" r:id="rId10"/>
+    <p:sldId id="264" r:id="rId11"/>
+    <p:sldId id="265" r:id="rId12"/>
+    <p:sldId id="266" r:id="rId13"/>
+    <p:sldId id="267" r:id="rId14"/>
+    <p:sldId id="268" r:id="rId15"/>
+    <p:sldId id="269" r:id="rId16"/>
   </p:sldIdLst>
   <p:sldSz cx="12192000" cy="6858000"/>
   <p:notesSz cx="6858000" cy="9144000"/>
@@ -109,6 +118,11 @@
       </a:defRPr>
     </a:lvl9pPr>
   </p:defaultTextStyle>
+  <p:extLst>
+    <p:ext uri="{EFAFB233-063F-42B5-8137-9DF3F51BA10A}">
+      <p15:sldGuideLst xmlns:p15="http://schemas.microsoft.com/office/powerpoint/2012/main"/>
+    </p:ext>
+  </p:extLst>
 </p:presentation>
 </file>
 
@@ -835,7 +849,7 @@
             <a:fld id="{B61BEF0D-F0BB-DE4B-95CE-6DB70DBA9567}" type="datetimeFigureOut">
               <a:rPr lang="en-US" dirty="0"/>
               <a:pPr/>
-              <a:t>8/14/20</a:t>
+              <a:t>8/27/20</a:t>
             </a:fld>
             <a:endParaRPr lang="en-US" dirty="0"/>
           </a:p>
@@ -1088,7 +1102,7 @@
             <a:fld id="{B61BEF0D-F0BB-DE4B-95CE-6DB70DBA9567}" type="datetimeFigureOut">
               <a:rPr lang="en-US" dirty="0"/>
               <a:pPr/>
-              <a:t>8/14/20</a:t>
+              <a:t>8/27/20</a:t>
             </a:fld>
             <a:endParaRPr lang="en-US" dirty="0"/>
           </a:p>
@@ -1409,7 +1423,7 @@
             <a:fld id="{B61BEF0D-F0BB-DE4B-95CE-6DB70DBA9567}" type="datetimeFigureOut">
               <a:rPr lang="en-US" dirty="0"/>
               <a:pPr/>
-              <a:t>8/14/20</a:t>
+              <a:t>8/27/20</a:t>
             </a:fld>
             <a:endParaRPr lang="en-US" dirty="0"/>
           </a:p>
@@ -1752,7 +1766,7 @@
             <a:fld id="{B61BEF0D-F0BB-DE4B-95CE-6DB70DBA9567}" type="datetimeFigureOut">
               <a:rPr lang="en-US" dirty="0"/>
               <a:pPr/>
-              <a:t>8/14/20</a:t>
+              <a:t>8/27/20</a:t>
             </a:fld>
             <a:endParaRPr lang="en-US" dirty="0"/>
           </a:p>
@@ -2073,7 +2087,7 @@
             <a:fld id="{B61BEF0D-F0BB-DE4B-95CE-6DB70DBA9567}" type="datetimeFigureOut">
               <a:rPr lang="en-US" dirty="0"/>
               <a:pPr/>
-              <a:t>8/14/20</a:t>
+              <a:t>8/27/20</a:t>
             </a:fld>
             <a:endParaRPr lang="en-US" dirty="0"/>
           </a:p>
@@ -2473,7 +2487,7 @@
             <a:fld id="{B61BEF0D-F0BB-DE4B-95CE-6DB70DBA9567}" type="datetimeFigureOut">
               <a:rPr lang="en-US" dirty="0"/>
               <a:pPr/>
-              <a:t>8/14/20</a:t>
+              <a:t>8/27/20</a:t>
             </a:fld>
             <a:endParaRPr lang="en-US" dirty="0"/>
           </a:p>
@@ -2615,7 +2629,7 @@
           <a:p>
             <a:fld id="{55C6B4A9-1611-4792-9094-5F34BCA07E0B}" type="datetimeFigureOut">
               <a:rPr lang="en-US" dirty="0"/>
-              <a:t>8/14/20</a:t>
+              <a:t>8/27/20</a:t>
             </a:fld>
             <a:endParaRPr lang="en-US" dirty="0"/>
           </a:p>
@@ -2767,7 +2781,7 @@
             <a:fld id="{B61BEF0D-F0BB-DE4B-95CE-6DB70DBA9567}" type="datetimeFigureOut">
               <a:rPr lang="en-US" dirty="0"/>
               <a:pPr/>
-              <a:t>8/14/20</a:t>
+              <a:t>8/27/20</a:t>
             </a:fld>
             <a:endParaRPr lang="en-US" dirty="0"/>
           </a:p>
@@ -2916,7 +2930,7 @@
             <a:fld id="{B61BEF0D-F0BB-DE4B-95CE-6DB70DBA9567}" type="datetimeFigureOut">
               <a:rPr lang="en-US" dirty="0"/>
               <a:pPr/>
-              <a:t>8/14/20</a:t>
+              <a:t>8/27/20</a:t>
             </a:fld>
             <a:endParaRPr lang="en-US" dirty="0"/>
           </a:p>
@@ -3165,7 +3179,7 @@
             <a:fld id="{B61BEF0D-F0BB-DE4B-95CE-6DB70DBA9567}" type="datetimeFigureOut">
               <a:rPr lang="en-US" dirty="0"/>
               <a:pPr/>
-              <a:t>8/14/20</a:t>
+              <a:t>8/27/20</a:t>
             </a:fld>
             <a:endParaRPr lang="en-US" dirty="0"/>
           </a:p>
@@ -3345,7 +3359,7 @@
           <a:p>
             <a:fld id="{EB712588-04B1-427B-82EE-E8DB90309F08}" type="datetimeFigureOut">
               <a:rPr lang="en-US" dirty="0"/>
-              <a:t>8/14/20</a:t>
+              <a:t>8/27/20</a:t>
             </a:fld>
             <a:endParaRPr lang="en-US" dirty="0"/>
           </a:p>
@@ -3677,7 +3691,7 @@
             <a:fld id="{B61BEF0D-F0BB-DE4B-95CE-6DB70DBA9567}" type="datetimeFigureOut">
               <a:rPr lang="en-US" dirty="0"/>
               <a:pPr/>
-              <a:t>8/14/20</a:t>
+              <a:t>8/27/20</a:t>
             </a:fld>
             <a:endParaRPr lang="en-US" dirty="0"/>
           </a:p>
@@ -3797,7 +3811,7 @@
             <a:fld id="{B61BEF0D-F0BB-DE4B-95CE-6DB70DBA9567}" type="datetimeFigureOut">
               <a:rPr lang="en-US" dirty="0"/>
               <a:pPr/>
-              <a:t>8/14/20</a:t>
+              <a:t>8/27/20</a:t>
             </a:fld>
             <a:endParaRPr lang="en-US" dirty="0"/>
           </a:p>
@@ -3889,7 +3903,7 @@
             <a:fld id="{B61BEF0D-F0BB-DE4B-95CE-6DB70DBA9567}" type="datetimeFigureOut">
               <a:rPr lang="en-US" dirty="0"/>
               <a:pPr/>
-              <a:t>8/14/20</a:t>
+              <a:t>8/27/20</a:t>
             </a:fld>
             <a:endParaRPr lang="en-US" dirty="0"/>
           </a:p>
@@ -4121,7 +4135,7 @@
           <a:p>
             <a:fld id="{42A54C80-263E-416B-A8E0-580EDEADCBDC}" type="datetimeFigureOut">
               <a:rPr lang="en-US" dirty="0"/>
-              <a:t>8/14/20</a:t>
+              <a:t>8/27/20</a:t>
             </a:fld>
             <a:endParaRPr lang="en-US" dirty="0"/>
           </a:p>
@@ -4385,7 +4399,7 @@
             <a:fld id="{B61BEF0D-F0BB-DE4B-95CE-6DB70DBA9567}" type="datetimeFigureOut">
               <a:rPr lang="en-US" dirty="0"/>
               <a:pPr/>
-              <a:t>8/14/20</a:t>
+              <a:t>8/27/20</a:t>
             </a:fld>
             <a:endParaRPr lang="en-US" dirty="0"/>
           </a:p>
@@ -5101,7 +5115,7 @@
             <a:fld id="{B61BEF0D-F0BB-DE4B-95CE-6DB70DBA9567}" type="datetimeFigureOut">
               <a:rPr lang="en-US" dirty="0"/>
               <a:pPr/>
-              <a:t>8/14/20</a:t>
+              <a:t>8/27/20</a:t>
             </a:fld>
             <a:endParaRPr lang="en-US" dirty="0"/>
           </a:p>
@@ -5640,7 +5654,7 @@
         <p:spPr>
           <a:xfrm>
             <a:off x="750628" y="395784"/>
-            <a:ext cx="8707272" cy="5663821"/>
+            <a:ext cx="8707272" cy="5868538"/>
           </a:xfrm>
         </p:spPr>
         <p:txBody>
@@ -5701,7 +5715,7 @@
               <a:rPr lang="fr-FR" dirty="0"/>
             </a:br>
             <a:r>
-              <a:rPr lang="fr-FR" sz="3600" dirty="0"/>
+              <a:rPr lang="fr-FR" sz="3600" b="1" dirty="0"/>
               <a:t>Formation</a:t>
             </a:r>
             <a:r>
@@ -5720,8 +5734,12 @@
               <a:rPr lang="fr-FR" dirty="0"/>
             </a:br>
             <a:r>
+              <a:rPr lang="fr-FR" sz="3600" b="1" dirty="0"/>
+              <a:t>Étudiant</a:t>
+            </a:r>
+            <a:r>
               <a:rPr lang="fr-FR" sz="3600" dirty="0"/>
-              <a:t>Étudiant:</a:t>
+              <a:t>:</a:t>
             </a:r>
             <a:r>
               <a:rPr lang="fr-FR" dirty="0"/>
@@ -5731,7 +5749,13 @@
               <a:rPr lang="fr-FR" sz="3600" dirty="0"/>
               <a:t>Elhadj Mouctar SOW </a:t>
             </a:r>
-            <a:endParaRPr lang="fr-FR" dirty="0"/>
+            <a:br>
+              <a:rPr lang="fr-FR" sz="3600" dirty="0"/>
+            </a:br>
+            <a:r>
+              <a:rPr lang="fr-FR" sz="2000" dirty="0"/>
+              <a:t>Lundi 31 Août 2020</a:t>
+            </a:r>
           </a:p>
         </p:txBody>
       </p:sp>
@@ -5739,6 +5763,839 @@
     <p:extLst>
       <p:ext uri="{BB962C8B-B14F-4D97-AF65-F5344CB8AC3E}">
         <p14:creationId xmlns:p14="http://schemas.microsoft.com/office/powerpoint/2010/main" val="1087577191"/>
+      </p:ext>
+    </p:extLst>
+  </p:cSld>
+  <p:clrMapOvr>
+    <a:masterClrMapping/>
+  </p:clrMapOvr>
+</p:sld>
+</file>
+
+<file path=ppt/slides/slide10.xml><?xml version="1.0" encoding="utf-8"?>
+<p:sld xmlns:a="http://schemas.openxmlformats.org/drawingml/2006/main" xmlns:r="http://schemas.openxmlformats.org/officeDocument/2006/relationships" xmlns:p="http://schemas.openxmlformats.org/presentationml/2006/main">
+  <p:cSld>
+    <p:spTree>
+      <p:nvGrpSpPr>
+        <p:cNvPr id="1" name=""/>
+        <p:cNvGrpSpPr/>
+        <p:nvPr/>
+      </p:nvGrpSpPr>
+      <p:grpSpPr>
+        <a:xfrm>
+          <a:off x="0" y="0"/>
+          <a:ext cx="0" cy="0"/>
+          <a:chOff x="0" y="0"/>
+          <a:chExt cx="0" cy="0"/>
+        </a:xfrm>
+      </p:grpSpPr>
+      <p:sp>
+        <p:nvSpPr>
+          <p:cNvPr id="2" name="Titre 1">
+            <a:extLst>
+              <a:ext uri="{FF2B5EF4-FFF2-40B4-BE49-F238E27FC236}">
+                <a16:creationId xmlns:a16="http://schemas.microsoft.com/office/drawing/2014/main" id="{B1321587-451D-0349-BA8F-2D48D68D20A6}"/>
+              </a:ext>
+            </a:extLst>
+          </p:cNvPr>
+          <p:cNvSpPr>
+            <a:spLocks noGrp="1"/>
+          </p:cNvSpPr>
+          <p:nvPr>
+            <p:ph type="title"/>
+          </p:nvPr>
+        </p:nvSpPr>
+        <p:spPr/>
+        <p:txBody>
+          <a:bodyPr/>
+          <a:lstStyle/>
+          <a:p>
+            <a:pPr algn="ctr"/>
+            <a:r>
+              <a:rPr lang="fr-FR" dirty="0"/>
+              <a:t>3- Les 10 recommandations SEO </a:t>
+            </a:r>
+          </a:p>
+        </p:txBody>
+      </p:sp>
+      <p:sp>
+        <p:nvSpPr>
+          <p:cNvPr id="3" name="Espace réservé du contenu 2">
+            <a:extLst>
+              <a:ext uri="{FF2B5EF4-FFF2-40B4-BE49-F238E27FC236}">
+                <a16:creationId xmlns:a16="http://schemas.microsoft.com/office/drawing/2014/main" id="{B7C5D530-4BBC-4949-A404-BAA10ACA5F84}"/>
+              </a:ext>
+            </a:extLst>
+          </p:cNvPr>
+          <p:cNvSpPr>
+            <a:spLocks noGrp="1"/>
+          </p:cNvSpPr>
+          <p:nvPr>
+            <p:ph idx="1"/>
+          </p:nvPr>
+        </p:nvSpPr>
+        <p:spPr>
+          <a:xfrm>
+            <a:off x="677334" y="1610437"/>
+            <a:ext cx="8596668" cy="4430926"/>
+          </a:xfrm>
+        </p:spPr>
+        <p:txBody>
+          <a:bodyPr/>
+          <a:lstStyle/>
+          <a:p>
+            <a:pPr algn="ctr"/>
+            <a:endParaRPr lang="fr-FR" b="1" dirty="0"/>
+          </a:p>
+          <a:p>
+            <a:pPr algn="ctr"/>
+            <a:r>
+              <a:rPr lang="fr-FR" b="1" dirty="0"/>
+              <a:t>Du point de vue accessibilité nous recommandons ceux-ci:</a:t>
+            </a:r>
+          </a:p>
+          <a:p>
+            <a:pPr algn="ctr"/>
+            <a:endParaRPr lang="fr-FR" b="1" dirty="0"/>
+          </a:p>
+          <a:p>
+            <a:pPr marL="0" indent="0">
+              <a:buNone/>
+            </a:pPr>
+            <a:r>
+              <a:rPr lang="fr-FR" dirty="0"/>
+              <a:t>	5- le site n’a pas d’</a:t>
+            </a:r>
+            <a:r>
+              <a:rPr lang="fr-FR" b="1" dirty="0"/>
+              <a:t>URL</a:t>
+            </a:r>
+            <a:r>
+              <a:rPr lang="fr-FR" dirty="0"/>
+              <a:t>, il n’a pas de version en ligne,</a:t>
+            </a:r>
+          </a:p>
+          <a:p>
+            <a:pPr marL="0" indent="0">
+              <a:buNone/>
+            </a:pPr>
+            <a:r>
+              <a:rPr lang="fr-FR" dirty="0"/>
+              <a:t>       6- le site ne </a:t>
+            </a:r>
+            <a:r>
+              <a:rPr lang="fr-FR" b="1" dirty="0"/>
+              <a:t>s’adapte  pas à tous les types d’écrans</a:t>
+            </a:r>
+            <a:r>
+              <a:rPr lang="fr-FR" dirty="0"/>
+              <a:t>, remplacer les images textes, par du texte,</a:t>
+            </a:r>
+          </a:p>
+          <a:p>
+            <a:pPr marL="0" indent="0">
+              <a:buNone/>
+            </a:pPr>
+            <a:r>
+              <a:rPr lang="fr-FR" dirty="0"/>
+              <a:t>	7-  Les </a:t>
+            </a:r>
+            <a:r>
+              <a:rPr lang="fr-FR" b="1" dirty="0"/>
+              <a:t>liens</a:t>
+            </a:r>
+            <a:r>
+              <a:rPr lang="fr-FR" dirty="0"/>
+              <a:t> ne sont pas visuellement différentes du reste du contenu. </a:t>
+            </a:r>
+          </a:p>
+        </p:txBody>
+      </p:sp>
+    </p:spTree>
+    <p:extLst>
+      <p:ext uri="{BB962C8B-B14F-4D97-AF65-F5344CB8AC3E}">
+        <p14:creationId xmlns:p14="http://schemas.microsoft.com/office/powerpoint/2010/main" val="2002725962"/>
+      </p:ext>
+    </p:extLst>
+  </p:cSld>
+  <p:clrMapOvr>
+    <a:masterClrMapping/>
+  </p:clrMapOvr>
+</p:sld>
+</file>
+
+<file path=ppt/slides/slide11.xml><?xml version="1.0" encoding="utf-8"?>
+<p:sld xmlns:a="http://schemas.openxmlformats.org/drawingml/2006/main" xmlns:r="http://schemas.openxmlformats.org/officeDocument/2006/relationships" xmlns:p="http://schemas.openxmlformats.org/presentationml/2006/main">
+  <p:cSld>
+    <p:spTree>
+      <p:nvGrpSpPr>
+        <p:cNvPr id="1" name=""/>
+        <p:cNvGrpSpPr/>
+        <p:nvPr/>
+      </p:nvGrpSpPr>
+      <p:grpSpPr>
+        <a:xfrm>
+          <a:off x="0" y="0"/>
+          <a:ext cx="0" cy="0"/>
+          <a:chOff x="0" y="0"/>
+          <a:chExt cx="0" cy="0"/>
+        </a:xfrm>
+      </p:grpSpPr>
+      <p:sp>
+        <p:nvSpPr>
+          <p:cNvPr id="2" name="Titre 1">
+            <a:extLst>
+              <a:ext uri="{FF2B5EF4-FFF2-40B4-BE49-F238E27FC236}">
+                <a16:creationId xmlns:a16="http://schemas.microsoft.com/office/drawing/2014/main" id="{9A5EB239-0962-634F-895E-AC1CF9CD7542}"/>
+              </a:ext>
+            </a:extLst>
+          </p:cNvPr>
+          <p:cNvSpPr>
+            <a:spLocks noGrp="1"/>
+          </p:cNvSpPr>
+          <p:nvPr>
+            <p:ph type="title"/>
+          </p:nvPr>
+        </p:nvSpPr>
+        <p:spPr/>
+        <p:txBody>
+          <a:bodyPr/>
+          <a:lstStyle/>
+          <a:p>
+            <a:pPr algn="ctr"/>
+            <a:r>
+              <a:rPr lang="fr-FR" dirty="0"/>
+              <a:t>3- Les 10 recommandations SEO </a:t>
+            </a:r>
+          </a:p>
+        </p:txBody>
+      </p:sp>
+      <p:sp>
+        <p:nvSpPr>
+          <p:cNvPr id="3" name="Espace réservé du contenu 2">
+            <a:extLst>
+              <a:ext uri="{FF2B5EF4-FFF2-40B4-BE49-F238E27FC236}">
+                <a16:creationId xmlns:a16="http://schemas.microsoft.com/office/drawing/2014/main" id="{301DA4B6-A7BB-284D-9DC3-97D0576EEB6D}"/>
+              </a:ext>
+            </a:extLst>
+          </p:cNvPr>
+          <p:cNvSpPr>
+            <a:spLocks noGrp="1"/>
+          </p:cNvSpPr>
+          <p:nvPr>
+            <p:ph idx="1"/>
+          </p:nvPr>
+        </p:nvSpPr>
+        <p:spPr>
+          <a:xfrm>
+            <a:off x="677334" y="1610437"/>
+            <a:ext cx="8596668" cy="4430926"/>
+          </a:xfrm>
+        </p:spPr>
+        <p:txBody>
+          <a:bodyPr/>
+          <a:lstStyle/>
+          <a:p>
+            <a:pPr algn="ctr"/>
+            <a:endParaRPr lang="fr-FR" dirty="0"/>
+          </a:p>
+          <a:p>
+            <a:pPr algn="ctr"/>
+            <a:r>
+              <a:rPr lang="fr-FR" b="1" dirty="0"/>
+              <a:t>Pour la performance nous recommandons ceux-ci:</a:t>
+            </a:r>
+          </a:p>
+          <a:p>
+            <a:pPr marL="0" indent="0" algn="ctr">
+              <a:buNone/>
+            </a:pPr>
+            <a:endParaRPr lang="fr-FR" dirty="0"/>
+          </a:p>
+          <a:p>
+            <a:pPr marL="0" indent="0">
+              <a:buNone/>
+            </a:pPr>
+            <a:r>
+              <a:rPr lang="fr-FR" dirty="0"/>
+              <a:t>	8-  les </a:t>
+            </a:r>
+            <a:r>
+              <a:rPr lang="fr-FR" b="1" dirty="0"/>
+              <a:t>images </a:t>
+            </a:r>
+            <a:r>
+              <a:rPr lang="fr-FR" dirty="0"/>
+              <a:t>ne sont pas optimisées, leur format n’est pas adapté, </a:t>
+            </a:r>
+          </a:p>
+          <a:p>
+            <a:pPr marL="0" indent="0">
+              <a:buNone/>
+            </a:pPr>
+            <a:r>
+              <a:rPr lang="fr-FR" dirty="0"/>
+              <a:t>	9- Les </a:t>
+            </a:r>
+            <a:r>
+              <a:rPr lang="fr-FR" b="1" dirty="0"/>
+              <a:t>feuilles de style </a:t>
+            </a:r>
+            <a:r>
+              <a:rPr lang="fr-FR" dirty="0"/>
+              <a:t>ne sont pas </a:t>
+            </a:r>
+            <a:r>
+              <a:rPr lang="fr-FR" dirty="0" err="1"/>
+              <a:t>minifiées</a:t>
+            </a:r>
+            <a:r>
+              <a:rPr lang="fr-FR" dirty="0"/>
+              <a:t>, ni compressées,</a:t>
+            </a:r>
+          </a:p>
+          <a:p>
+            <a:pPr marL="0" indent="0">
+              <a:buNone/>
+            </a:pPr>
+            <a:r>
+              <a:rPr lang="fr-FR" dirty="0"/>
+              <a:t>	10- Les </a:t>
+            </a:r>
+            <a:r>
+              <a:rPr lang="fr-FR" b="1" dirty="0"/>
+              <a:t>scripts </a:t>
+            </a:r>
+            <a:r>
+              <a:rPr lang="fr-FR" dirty="0"/>
+              <a:t>du site ne sont pas </a:t>
+            </a:r>
+            <a:r>
+              <a:rPr lang="fr-FR" dirty="0" err="1"/>
+              <a:t>minifiées</a:t>
+            </a:r>
+            <a:r>
+              <a:rPr lang="fr-FR" dirty="0"/>
+              <a:t>. </a:t>
+            </a:r>
+          </a:p>
+        </p:txBody>
+      </p:sp>
+    </p:spTree>
+    <p:extLst>
+      <p:ext uri="{BB962C8B-B14F-4D97-AF65-F5344CB8AC3E}">
+        <p14:creationId xmlns:p14="http://schemas.microsoft.com/office/powerpoint/2010/main" val="1393944865"/>
+      </p:ext>
+    </p:extLst>
+  </p:cSld>
+  <p:clrMapOvr>
+    <a:masterClrMapping/>
+  </p:clrMapOvr>
+</p:sld>
+</file>
+
+<file path=ppt/slides/slide12.xml><?xml version="1.0" encoding="utf-8"?>
+<p:sld xmlns:a="http://schemas.openxmlformats.org/drawingml/2006/main" xmlns:r="http://schemas.openxmlformats.org/officeDocument/2006/relationships" xmlns:p="http://schemas.openxmlformats.org/presentationml/2006/main">
+  <p:cSld>
+    <p:spTree>
+      <p:nvGrpSpPr>
+        <p:cNvPr id="1" name=""/>
+        <p:cNvGrpSpPr/>
+        <p:nvPr/>
+      </p:nvGrpSpPr>
+      <p:grpSpPr>
+        <a:xfrm>
+          <a:off x="0" y="0"/>
+          <a:ext cx="0" cy="0"/>
+          <a:chOff x="0" y="0"/>
+          <a:chExt cx="0" cy="0"/>
+        </a:xfrm>
+      </p:grpSpPr>
+      <p:sp>
+        <p:nvSpPr>
+          <p:cNvPr id="2" name="Titre 1">
+            <a:extLst>
+              <a:ext uri="{FF2B5EF4-FFF2-40B4-BE49-F238E27FC236}">
+                <a16:creationId xmlns:a16="http://schemas.microsoft.com/office/drawing/2014/main" id="{B0E3BC6D-3D48-6943-AC98-934327F96F46}"/>
+              </a:ext>
+            </a:extLst>
+          </p:cNvPr>
+          <p:cNvSpPr>
+            <a:spLocks noGrp="1"/>
+          </p:cNvSpPr>
+          <p:nvPr>
+            <p:ph type="title"/>
+          </p:nvPr>
+        </p:nvSpPr>
+        <p:spPr/>
+        <p:txBody>
+          <a:bodyPr/>
+          <a:lstStyle/>
+          <a:p>
+            <a:pPr algn="ctr"/>
+            <a:r>
+              <a:rPr lang="fr-FR" dirty="0"/>
+              <a:t>4- Amélioration du SEO du site</a:t>
+            </a:r>
+            <a:br>
+              <a:rPr lang="fr-FR" dirty="0"/>
+            </a:br>
+            <a:endParaRPr lang="fr-FR" dirty="0"/>
+          </a:p>
+        </p:txBody>
+      </p:sp>
+      <p:sp>
+        <p:nvSpPr>
+          <p:cNvPr id="3" name="Espace réservé du contenu 2">
+            <a:extLst>
+              <a:ext uri="{FF2B5EF4-FFF2-40B4-BE49-F238E27FC236}">
+                <a16:creationId xmlns:a16="http://schemas.microsoft.com/office/drawing/2014/main" id="{65150F3C-8676-F546-8ECB-DAD7B1A0A531}"/>
+              </a:ext>
+            </a:extLst>
+          </p:cNvPr>
+          <p:cNvSpPr>
+            <a:spLocks noGrp="1"/>
+          </p:cNvSpPr>
+          <p:nvPr>
+            <p:ph idx="1"/>
+          </p:nvPr>
+        </p:nvSpPr>
+        <p:spPr/>
+        <p:txBody>
+          <a:bodyPr/>
+          <a:lstStyle/>
+          <a:p>
+            <a:pPr algn="ctr"/>
+            <a:endParaRPr lang="fr-FR" dirty="0"/>
+          </a:p>
+          <a:p>
+            <a:pPr algn="ctr"/>
+            <a:endParaRPr lang="fr-FR" dirty="0"/>
+          </a:p>
+          <a:p>
+            <a:pPr algn="ctr"/>
+            <a:r>
+              <a:rPr lang="fr-FR" dirty="0"/>
+              <a:t>Le code source de la version améliorée se trouve dans mon éditeur de texte « sublime » qui se trouve dans mon Git.. </a:t>
+            </a:r>
+          </a:p>
+        </p:txBody>
+      </p:sp>
+    </p:spTree>
+    <p:extLst>
+      <p:ext uri="{BB962C8B-B14F-4D97-AF65-F5344CB8AC3E}">
+        <p14:creationId xmlns:p14="http://schemas.microsoft.com/office/powerpoint/2010/main" val="192676493"/>
+      </p:ext>
+    </p:extLst>
+  </p:cSld>
+  <p:clrMapOvr>
+    <a:masterClrMapping/>
+  </p:clrMapOvr>
+</p:sld>
+</file>
+
+<file path=ppt/slides/slide13.xml><?xml version="1.0" encoding="utf-8"?>
+<p:sld xmlns:a="http://schemas.openxmlformats.org/drawingml/2006/main" xmlns:r="http://schemas.openxmlformats.org/officeDocument/2006/relationships" xmlns:p="http://schemas.openxmlformats.org/presentationml/2006/main">
+  <p:cSld>
+    <p:spTree>
+      <p:nvGrpSpPr>
+        <p:cNvPr id="1" name=""/>
+        <p:cNvGrpSpPr/>
+        <p:nvPr/>
+      </p:nvGrpSpPr>
+      <p:grpSpPr>
+        <a:xfrm>
+          <a:off x="0" y="0"/>
+          <a:ext cx="0" cy="0"/>
+          <a:chOff x="0" y="0"/>
+          <a:chExt cx="0" cy="0"/>
+        </a:xfrm>
+      </p:grpSpPr>
+      <p:sp>
+        <p:nvSpPr>
+          <p:cNvPr id="2" name="Titre 1">
+            <a:extLst>
+              <a:ext uri="{FF2B5EF4-FFF2-40B4-BE49-F238E27FC236}">
+                <a16:creationId xmlns:a16="http://schemas.microsoft.com/office/drawing/2014/main" id="{82A70E0A-CC23-FF45-BFAC-DB1F302E39BA}"/>
+              </a:ext>
+            </a:extLst>
+          </p:cNvPr>
+          <p:cNvSpPr>
+            <a:spLocks noGrp="1"/>
+          </p:cNvSpPr>
+          <p:nvPr>
+            <p:ph type="title"/>
+          </p:nvPr>
+        </p:nvSpPr>
+        <p:spPr>
+          <a:xfrm>
+            <a:off x="677334" y="609600"/>
+            <a:ext cx="8596668" cy="755177"/>
+          </a:xfrm>
+        </p:spPr>
+        <p:txBody>
+          <a:bodyPr>
+            <a:normAutofit fontScale="90000"/>
+          </a:bodyPr>
+          <a:lstStyle/>
+          <a:p>
+            <a:pPr algn="ctr"/>
+            <a:r>
+              <a:rPr lang="fr-FR" dirty="0"/>
+              <a:t>5- Accessibilité et comparaison.</a:t>
+            </a:r>
+            <a:br>
+              <a:rPr lang="fr-FR" dirty="0"/>
+            </a:br>
+            <a:endParaRPr lang="fr-FR" dirty="0"/>
+          </a:p>
+        </p:txBody>
+      </p:sp>
+      <p:sp>
+        <p:nvSpPr>
+          <p:cNvPr id="3" name="Espace réservé du contenu 2">
+            <a:extLst>
+              <a:ext uri="{FF2B5EF4-FFF2-40B4-BE49-F238E27FC236}">
+                <a16:creationId xmlns:a16="http://schemas.microsoft.com/office/drawing/2014/main" id="{9EADEDA9-B5F7-8D48-BA14-F5678E37D925}"/>
+              </a:ext>
+            </a:extLst>
+          </p:cNvPr>
+          <p:cNvSpPr>
+            <a:spLocks noGrp="1"/>
+          </p:cNvSpPr>
+          <p:nvPr>
+            <p:ph idx="1"/>
+          </p:nvPr>
+        </p:nvSpPr>
+        <p:spPr>
+          <a:xfrm>
+            <a:off x="-1" y="1364777"/>
+            <a:ext cx="10208525" cy="5493224"/>
+          </a:xfrm>
+        </p:spPr>
+        <p:txBody>
+          <a:bodyPr/>
+          <a:lstStyle/>
+          <a:p>
+            <a:r>
+              <a:rPr lang="fr-FR" dirty="0"/>
+              <a:t>Pour garantir l’accessibilité à tous, et accéléré la vitesse du chargement du site nous avons fait des captures d’écran comparatives sur l’accessibilité (</a:t>
+            </a:r>
+            <a:r>
+              <a:rPr lang="fr-FR" dirty="0" err="1"/>
+              <a:t>Measure</a:t>
+            </a:r>
+            <a:r>
+              <a:rPr lang="fr-FR" dirty="0"/>
+              <a:t>).                                   </a:t>
+            </a:r>
+          </a:p>
+          <a:p>
+            <a:endParaRPr lang="fr-FR" dirty="0"/>
+          </a:p>
+        </p:txBody>
+      </p:sp>
+      <p:pic>
+        <p:nvPicPr>
+          <p:cNvPr id="5" name="Image 4">
+            <a:extLst>
+              <a:ext uri="{FF2B5EF4-FFF2-40B4-BE49-F238E27FC236}">
+                <a16:creationId xmlns:a16="http://schemas.microsoft.com/office/drawing/2014/main" id="{B86B94E9-7350-9842-ADFE-F40D026A1808}"/>
+              </a:ext>
+            </a:extLst>
+          </p:cNvPr>
+          <p:cNvPicPr>
+            <a:picLocks noChangeAspect="1"/>
+          </p:cNvPicPr>
+          <p:nvPr/>
+        </p:nvPicPr>
+        <p:blipFill>
+          <a:blip r:embed="rId2"/>
+          <a:stretch>
+            <a:fillRect/>
+          </a:stretch>
+        </p:blipFill>
+        <p:spPr>
+          <a:xfrm>
+            <a:off x="136478" y="2074460"/>
+            <a:ext cx="5959522" cy="4544704"/>
+          </a:xfrm>
+          <a:prstGeom prst="rect">
+            <a:avLst/>
+          </a:prstGeom>
+        </p:spPr>
+      </p:pic>
+      <p:pic>
+        <p:nvPicPr>
+          <p:cNvPr id="7" name="Image 6">
+            <a:extLst>
+              <a:ext uri="{FF2B5EF4-FFF2-40B4-BE49-F238E27FC236}">
+                <a16:creationId xmlns:a16="http://schemas.microsoft.com/office/drawing/2014/main" id="{F87F9CF8-CD03-9B4C-B401-99990CFEAE1A}"/>
+              </a:ext>
+            </a:extLst>
+          </p:cNvPr>
+          <p:cNvPicPr>
+            <a:picLocks noChangeAspect="1"/>
+          </p:cNvPicPr>
+          <p:nvPr/>
+        </p:nvPicPr>
+        <p:blipFill>
+          <a:blip r:embed="rId3"/>
+          <a:stretch>
+            <a:fillRect/>
+          </a:stretch>
+        </p:blipFill>
+        <p:spPr>
+          <a:xfrm>
+            <a:off x="6232478" y="2074461"/>
+            <a:ext cx="5722961" cy="4544704"/>
+          </a:xfrm>
+          <a:prstGeom prst="rect">
+            <a:avLst/>
+          </a:prstGeom>
+        </p:spPr>
+      </p:pic>
+    </p:spTree>
+    <p:extLst>
+      <p:ext uri="{BB962C8B-B14F-4D97-AF65-F5344CB8AC3E}">
+        <p14:creationId xmlns:p14="http://schemas.microsoft.com/office/powerpoint/2010/main" val="3959605343"/>
+      </p:ext>
+    </p:extLst>
+  </p:cSld>
+  <p:clrMapOvr>
+    <a:masterClrMapping/>
+  </p:clrMapOvr>
+</p:sld>
+</file>
+
+<file path=ppt/slides/slide14.xml><?xml version="1.0" encoding="utf-8"?>
+<p:sld xmlns:a="http://schemas.openxmlformats.org/drawingml/2006/main" xmlns:r="http://schemas.openxmlformats.org/officeDocument/2006/relationships" xmlns:p="http://schemas.openxmlformats.org/presentationml/2006/main">
+  <p:cSld>
+    <p:spTree>
+      <p:nvGrpSpPr>
+        <p:cNvPr id="1" name=""/>
+        <p:cNvGrpSpPr/>
+        <p:nvPr/>
+      </p:nvGrpSpPr>
+      <p:grpSpPr>
+        <a:xfrm>
+          <a:off x="0" y="0"/>
+          <a:ext cx="0" cy="0"/>
+          <a:chOff x="0" y="0"/>
+          <a:chExt cx="0" cy="0"/>
+        </a:xfrm>
+      </p:grpSpPr>
+      <p:sp>
+        <p:nvSpPr>
+          <p:cNvPr id="2" name="Titre 1">
+            <a:extLst>
+              <a:ext uri="{FF2B5EF4-FFF2-40B4-BE49-F238E27FC236}">
+                <a16:creationId xmlns:a16="http://schemas.microsoft.com/office/drawing/2014/main" id="{5C0AF146-77B2-F84D-A0B9-2957CA5C7ADB}"/>
+              </a:ext>
+            </a:extLst>
+          </p:cNvPr>
+          <p:cNvSpPr>
+            <a:spLocks noGrp="1"/>
+          </p:cNvSpPr>
+          <p:nvPr>
+            <p:ph type="title"/>
+          </p:nvPr>
+        </p:nvSpPr>
+        <p:spPr>
+          <a:xfrm>
+            <a:off x="677334" y="609600"/>
+            <a:ext cx="8596668" cy="659642"/>
+          </a:xfrm>
+        </p:spPr>
+        <p:txBody>
+          <a:bodyPr/>
+          <a:lstStyle/>
+          <a:p>
+            <a:pPr algn="ctr"/>
+            <a:r>
+              <a:rPr lang="fr-FR" dirty="0"/>
+              <a:t>5- Accessibilité et comparaison</a:t>
+            </a:r>
+          </a:p>
+        </p:txBody>
+      </p:sp>
+      <p:sp>
+        <p:nvSpPr>
+          <p:cNvPr id="3" name="Espace réservé du contenu 2">
+            <a:extLst>
+              <a:ext uri="{FF2B5EF4-FFF2-40B4-BE49-F238E27FC236}">
+                <a16:creationId xmlns:a16="http://schemas.microsoft.com/office/drawing/2014/main" id="{A9AA3A1B-B314-894F-88FE-AC69BB2266C7}"/>
+              </a:ext>
+            </a:extLst>
+          </p:cNvPr>
+          <p:cNvSpPr>
+            <a:spLocks noGrp="1"/>
+          </p:cNvSpPr>
+          <p:nvPr>
+            <p:ph idx="1"/>
+          </p:nvPr>
+        </p:nvSpPr>
+        <p:spPr>
+          <a:xfrm>
+            <a:off x="300250" y="1460310"/>
+            <a:ext cx="11591500" cy="5397689"/>
+          </a:xfrm>
+        </p:spPr>
+        <p:txBody>
+          <a:bodyPr/>
+          <a:lstStyle/>
+          <a:p>
+            <a:r>
+              <a:rPr lang="fr-FR" dirty="0"/>
+              <a:t>Pour garantir l’accessibilité à tous, et accéléré la vitesse du chargement du site nous avons fait des captures d’écran comparatives sur la performance (</a:t>
+            </a:r>
+            <a:r>
+              <a:rPr lang="fr-FR" dirty="0" err="1"/>
+              <a:t>gtmetrix</a:t>
+            </a:r>
+            <a:r>
+              <a:rPr lang="fr-FR" dirty="0"/>
+              <a:t>). </a:t>
+            </a:r>
+          </a:p>
+          <a:p>
+            <a:endParaRPr lang="fr-FR" dirty="0"/>
+          </a:p>
+        </p:txBody>
+      </p:sp>
+      <p:pic>
+        <p:nvPicPr>
+          <p:cNvPr id="5" name="Image 4">
+            <a:extLst>
+              <a:ext uri="{FF2B5EF4-FFF2-40B4-BE49-F238E27FC236}">
+                <a16:creationId xmlns:a16="http://schemas.microsoft.com/office/drawing/2014/main" id="{6BDE9625-9002-EC42-AE2B-91E953326AA4}"/>
+              </a:ext>
+            </a:extLst>
+          </p:cNvPr>
+          <p:cNvPicPr>
+            <a:picLocks noChangeAspect="1"/>
+          </p:cNvPicPr>
+          <p:nvPr/>
+        </p:nvPicPr>
+        <p:blipFill>
+          <a:blip r:embed="rId2"/>
+          <a:stretch>
+            <a:fillRect/>
+          </a:stretch>
+        </p:blipFill>
+        <p:spPr>
+          <a:xfrm>
+            <a:off x="300250" y="2169994"/>
+            <a:ext cx="6059607" cy="4581052"/>
+          </a:xfrm>
+          <a:prstGeom prst="rect">
+            <a:avLst/>
+          </a:prstGeom>
+        </p:spPr>
+      </p:pic>
+      <p:pic>
+        <p:nvPicPr>
+          <p:cNvPr id="7" name="Image 6">
+            <a:extLst>
+              <a:ext uri="{FF2B5EF4-FFF2-40B4-BE49-F238E27FC236}">
+                <a16:creationId xmlns:a16="http://schemas.microsoft.com/office/drawing/2014/main" id="{9CA36D2C-B8E6-3244-8934-42C7F4C5B490}"/>
+              </a:ext>
+            </a:extLst>
+          </p:cNvPr>
+          <p:cNvPicPr>
+            <a:picLocks noChangeAspect="1"/>
+          </p:cNvPicPr>
+          <p:nvPr/>
+        </p:nvPicPr>
+        <p:blipFill>
+          <a:blip r:embed="rId3"/>
+          <a:stretch>
+            <a:fillRect/>
+          </a:stretch>
+        </p:blipFill>
+        <p:spPr>
+          <a:xfrm>
+            <a:off x="6469039" y="2169994"/>
+            <a:ext cx="5422711" cy="4581052"/>
+          </a:xfrm>
+          <a:prstGeom prst="rect">
+            <a:avLst/>
+          </a:prstGeom>
+        </p:spPr>
+      </p:pic>
+    </p:spTree>
+    <p:extLst>
+      <p:ext uri="{BB962C8B-B14F-4D97-AF65-F5344CB8AC3E}">
+        <p14:creationId xmlns:p14="http://schemas.microsoft.com/office/powerpoint/2010/main" val="4091611277"/>
+      </p:ext>
+    </p:extLst>
+  </p:cSld>
+  <p:clrMapOvr>
+    <a:masterClrMapping/>
+  </p:clrMapOvr>
+</p:sld>
+</file>
+
+<file path=ppt/slides/slide15.xml><?xml version="1.0" encoding="utf-8"?>
+<p:sld xmlns:a="http://schemas.openxmlformats.org/drawingml/2006/main" xmlns:r="http://schemas.openxmlformats.org/officeDocument/2006/relationships" xmlns:p="http://schemas.openxmlformats.org/presentationml/2006/main">
+  <p:cSld>
+    <p:spTree>
+      <p:nvGrpSpPr>
+        <p:cNvPr id="1" name=""/>
+        <p:cNvGrpSpPr/>
+        <p:nvPr/>
+      </p:nvGrpSpPr>
+      <p:grpSpPr>
+        <a:xfrm>
+          <a:off x="0" y="0"/>
+          <a:ext cx="0" cy="0"/>
+          <a:chOff x="0" y="0"/>
+          <a:chExt cx="0" cy="0"/>
+        </a:xfrm>
+      </p:grpSpPr>
+      <p:sp>
+        <p:nvSpPr>
+          <p:cNvPr id="3" name="Espace réservé du contenu 2">
+            <a:extLst>
+              <a:ext uri="{FF2B5EF4-FFF2-40B4-BE49-F238E27FC236}">
+                <a16:creationId xmlns:a16="http://schemas.microsoft.com/office/drawing/2014/main" id="{B8BEAFE2-1DE0-3E45-9864-0AE9A14420D3}"/>
+              </a:ext>
+            </a:extLst>
+          </p:cNvPr>
+          <p:cNvSpPr>
+            <a:spLocks noGrp="1"/>
+          </p:cNvSpPr>
+          <p:nvPr>
+            <p:ph idx="1"/>
+          </p:nvPr>
+        </p:nvSpPr>
+        <p:spPr/>
+        <p:txBody>
+          <a:bodyPr>
+            <a:normAutofit/>
+          </a:bodyPr>
+          <a:lstStyle/>
+          <a:p>
+            <a:pPr marL="0" indent="0" algn="ctr">
+              <a:buNone/>
+            </a:pPr>
+            <a:endParaRPr lang="fr-FR" sz="4000" dirty="0"/>
+          </a:p>
+          <a:p>
+            <a:pPr marL="0" indent="0" algn="ctr">
+              <a:buNone/>
+            </a:pPr>
+            <a:r>
+              <a:rPr lang="fr-FR" sz="4000" dirty="0"/>
+              <a:t>Merci pour votre attention.</a:t>
+            </a:r>
+          </a:p>
+        </p:txBody>
+      </p:sp>
+    </p:spTree>
+    <p:extLst>
+      <p:ext uri="{BB962C8B-B14F-4D97-AF65-F5344CB8AC3E}">
+        <p14:creationId xmlns:p14="http://schemas.microsoft.com/office/powerpoint/2010/main" val="1430622454"/>
       </p:ext>
     </p:extLst>
   </p:cSld>
@@ -5856,16 +6713,7 @@
             </a:pPr>
             <a:r>
               <a:rPr lang="fr-FR" dirty="0"/>
-              <a:t>5- Accessibilité du site,</a:t>
-            </a:r>
-          </a:p>
-          <a:p>
-            <a:pPr marL="0" indent="0">
-              <a:buNone/>
-            </a:pPr>
-            <a:r>
-              <a:rPr lang="fr-FR" dirty="0"/>
-              <a:t>6- Comparaison des résultats.</a:t>
+              <a:t>5- Accessibilité du site et comparaison. </a:t>
             </a:r>
           </a:p>
         </p:txBody>
@@ -5924,7 +6772,7 @@
             <a:pPr algn="ctr"/>
             <a:r>
               <a:rPr lang="fr-FR" dirty="0"/>
-              <a:t>Définition des concepts clés</a:t>
+              <a:t>1- Définition des concepts clés</a:t>
             </a:r>
           </a:p>
         </p:txBody>
@@ -6048,7 +6896,7 @@
             <a:pPr algn="ctr"/>
             <a:r>
               <a:rPr lang="fr-FR" dirty="0"/>
-              <a:t>Définition des concepts clés </a:t>
+              <a:t>1- Définition des concepts clés </a:t>
             </a:r>
           </a:p>
         </p:txBody>
@@ -6069,12 +6917,23 @@
             <p:ph idx="1"/>
           </p:nvPr>
         </p:nvSpPr>
-        <p:spPr/>
+        <p:spPr>
+          <a:xfrm>
+            <a:off x="677334" y="1705971"/>
+            <a:ext cx="8596668" cy="4335392"/>
+          </a:xfrm>
+        </p:spPr>
         <p:txBody>
           <a:bodyPr>
-            <a:normAutofit lnSpcReduction="10000"/>
+            <a:normAutofit/>
           </a:bodyPr>
           <a:lstStyle/>
+          <a:p>
+            <a:pPr marL="0" indent="0" algn="ctr">
+              <a:buNone/>
+            </a:pPr>
+            <a:endParaRPr lang="fr-FR" b="1" dirty="0"/>
+          </a:p>
           <a:p>
             <a:pPr marL="0" indent="0" algn="ctr">
               <a:buNone/>
@@ -6085,39 +6944,23 @@
             </a:r>
           </a:p>
           <a:p>
-            <a:r>
-              <a:rPr lang="fr-FR" dirty="0"/>
-              <a:t>La performance d’un site web désigne la vitesse de téléchargement et d’affichage des pages web. Donc influe sur le référencement.</a:t>
-            </a:r>
-          </a:p>
-          <a:p>
-            <a:r>
-              <a:rPr lang="fr-FR" dirty="0"/>
-              <a:t>Critères SEO pour améliorer la performance d’un site web:</a:t>
-            </a:r>
-          </a:p>
-          <a:p>
-            <a:r>
-              <a:rPr lang="fr-FR" dirty="0"/>
-              <a:t>- Le suivi de positionnement de vos mots clés: Produire du contenu web sur la base de mots clés sur lesquels vous cherchez à vous positionner.</a:t>
-            </a:r>
-          </a:p>
-          <a:p>
-            <a:r>
-              <a:rPr lang="fr-FR" dirty="0"/>
-              <a:t>- Le taux de rebond: proportion de visiteurs ayant quitté votre site après avoir visité une page.</a:t>
-            </a:r>
-          </a:p>
-          <a:p>
-            <a:r>
-              <a:rPr lang="fr-FR" dirty="0"/>
-              <a:t>- La qualité des liens entrants: les liens de qualité entrants optimisent le SEO et légitime le contenu,</a:t>
-            </a:r>
-          </a:p>
-          <a:p>
-            <a:r>
-              <a:rPr lang="fr-FR" dirty="0"/>
-              <a:t>- Le trafic organique: À mesure que vous fournissez des efforts SEO, vous devriez voir votre trafic augmenté.</a:t>
+            <a:pPr marL="0" indent="0" algn="ctr">
+              <a:buNone/>
+            </a:pPr>
+            <a:endParaRPr lang="fr-FR" b="1" dirty="0"/>
+          </a:p>
+          <a:p>
+            <a:r>
+              <a:rPr lang="fr-FR" dirty="0"/>
+              <a:t>La performance d’un site web désigne </a:t>
+            </a:r>
+            <a:r>
+              <a:rPr lang="fr-FR" b="1" dirty="0"/>
+              <a:t>la vitesse de téléchargement </a:t>
+            </a:r>
+            <a:r>
+              <a:rPr lang="fr-FR" dirty="0"/>
+              <a:t>et d’affichage des pages web. Donc influe sur le référencement.</a:t>
             </a:r>
           </a:p>
         </p:txBody>
@@ -6157,7 +7000,7 @@
           <p:cNvPr id="2" name="Titre 1">
             <a:extLst>
               <a:ext uri="{FF2B5EF4-FFF2-40B4-BE49-F238E27FC236}">
-                <a16:creationId xmlns:a16="http://schemas.microsoft.com/office/drawing/2014/main" id="{79477D2E-59D3-9C4D-9B60-4D444BB4E856}"/>
+                <a16:creationId xmlns:a16="http://schemas.microsoft.com/office/drawing/2014/main" id="{5E0690D7-CDF7-C24B-85F2-2ABC43A0C6F6}"/>
               </a:ext>
             </a:extLst>
           </p:cNvPr>
@@ -6176,7 +7019,7 @@
             <a:pPr algn="ctr"/>
             <a:r>
               <a:rPr lang="fr-FR" dirty="0"/>
-              <a:t>Définition des concepts clés </a:t>
+              <a:t>1- Définition des concepts clés </a:t>
             </a:r>
           </a:p>
         </p:txBody>
@@ -6186,7 +7029,7 @@
           <p:cNvPr id="3" name="Espace réservé du contenu 2">
             <a:extLst>
               <a:ext uri="{FF2B5EF4-FFF2-40B4-BE49-F238E27FC236}">
-                <a16:creationId xmlns:a16="http://schemas.microsoft.com/office/drawing/2014/main" id="{A9F24D1D-22F3-D14A-A32C-9F1270A03217}"/>
+                <a16:creationId xmlns:a16="http://schemas.microsoft.com/office/drawing/2014/main" id="{645DA223-D069-2E48-AF53-5B91187333FB}"/>
               </a:ext>
             </a:extLst>
           </p:cNvPr>
@@ -6197,52 +7040,99 @@
             <p:ph idx="1"/>
           </p:nvPr>
         </p:nvSpPr>
-        <p:spPr/>
+        <p:spPr>
+          <a:xfrm>
+            <a:off x="677334" y="1692323"/>
+            <a:ext cx="8596668" cy="4349040"/>
+          </a:xfrm>
+        </p:spPr>
         <p:txBody>
           <a:bodyPr/>
           <a:lstStyle/>
           <a:p>
-            <a:r>
-              <a:rPr lang="fr-FR" dirty="0"/>
-              <a:t>On peut mesurer les statistiques d’un site à travers Google </a:t>
-            </a:r>
-            <a:r>
-              <a:rPr lang="fr-FR" dirty="0" err="1"/>
-              <a:t>Analytics</a:t>
-            </a:r>
-            <a:r>
-              <a:rPr lang="fr-FR" dirty="0"/>
-              <a:t>, il permet de suivre en direct et d’analyser les performances de votre site.</a:t>
-            </a:r>
-          </a:p>
-          <a:p>
-            <a:r>
-              <a:rPr lang="fr-FR" dirty="0"/>
-              <a:t>Les indicateurs de performance sont:</a:t>
-            </a:r>
-          </a:p>
-          <a:p>
-            <a:r>
-              <a:rPr lang="fr-FR" dirty="0"/>
-              <a:t>- le nombre de pages vues,</a:t>
-            </a:r>
-          </a:p>
-          <a:p>
-            <a:r>
-              <a:rPr lang="fr-FR" dirty="0"/>
-              <a:t>- le temps moyen passé sur la page, </a:t>
-            </a:r>
-          </a:p>
-          <a:p>
-            <a:r>
-              <a:rPr lang="fr-FR" dirty="0"/>
-              <a:t>La durée moyenne par visiteur,</a:t>
-            </a:r>
-          </a:p>
-          <a:p>
-            <a:r>
-              <a:rPr lang="fr-FR" dirty="0"/>
-              <a:t>- le taux de rebond: Pourcentage de visiteurs qui quitte après avoir consulté une seule page. </a:t>
+            <a:pPr marL="0" indent="0" algn="ctr">
+              <a:buNone/>
+            </a:pPr>
+            <a:endParaRPr lang="fr-FR" dirty="0"/>
+          </a:p>
+          <a:p>
+            <a:pPr marL="0" indent="0" algn="ctr">
+              <a:buNone/>
+            </a:pPr>
+            <a:r>
+              <a:rPr lang="fr-FR" b="1" dirty="0"/>
+              <a:t>Quels sont les critères SEO pour améliorer la performance d’un site web?</a:t>
+            </a:r>
+          </a:p>
+          <a:p>
+            <a:pPr marL="0" indent="0" algn="ctr">
+              <a:buNone/>
+            </a:pPr>
+            <a:endParaRPr lang="fr-FR" b="1" dirty="0"/>
+          </a:p>
+          <a:p>
+            <a:r>
+              <a:rPr lang="fr-FR" dirty="0"/>
+              <a:t>- </a:t>
+            </a:r>
+            <a:r>
+              <a:rPr lang="fr-FR" b="1" dirty="0"/>
+              <a:t>Le suivi de positionnement de vos mots clés</a:t>
+            </a:r>
+            <a:r>
+              <a:rPr lang="fr-FR" dirty="0"/>
+              <a:t>: Produire du contenu web sur la base de mots clés sur lesquels vous cherchez à vous positionner.</a:t>
+            </a:r>
+          </a:p>
+          <a:p>
+            <a:r>
+              <a:rPr lang="fr-FR" dirty="0"/>
+              <a:t>- </a:t>
+            </a:r>
+            <a:r>
+              <a:rPr lang="fr-FR" b="1" dirty="0"/>
+              <a:t>Le taux de rebond</a:t>
+            </a:r>
+            <a:r>
+              <a:rPr lang="fr-FR" dirty="0"/>
+              <a:t>: proportion de visiteurs ayant quitté votre site après avoir visité une page.</a:t>
+            </a:r>
+          </a:p>
+          <a:p>
+            <a:r>
+              <a:rPr lang="fr-FR" dirty="0"/>
+              <a:t>- </a:t>
+            </a:r>
+            <a:r>
+              <a:rPr lang="fr-FR" b="1" dirty="0"/>
+              <a:t>La qualité des liens entrants</a:t>
+            </a:r>
+            <a:r>
+              <a:rPr lang="fr-FR" dirty="0"/>
+              <a:t>: les liens de qualité entrants optimisent le SEO et légitime le contenu,</a:t>
+            </a:r>
+          </a:p>
+          <a:p>
+            <a:r>
+              <a:rPr lang="fr-FR" dirty="0"/>
+              <a:t>- </a:t>
+            </a:r>
+            <a:r>
+              <a:rPr lang="fr-FR" b="1" dirty="0"/>
+              <a:t>Le trafic organique</a:t>
+            </a:r>
+            <a:r>
+              <a:rPr lang="fr-FR" dirty="0"/>
+              <a:t>: À mesure que vous fournissez des efforts SEO, vous devriez voir votre trafic augmenté.</a:t>
+            </a:r>
+          </a:p>
+          <a:p>
+            <a:pPr marL="0" indent="0">
+              <a:buNone/>
+            </a:pPr>
+            <a:r>
+              <a:rPr lang="fr-FR" dirty="0"/>
+              <a:t> </a:t>
             </a:r>
           </a:p>
         </p:txBody>
@@ -6250,7 +7140,7 @@
     </p:spTree>
     <p:extLst>
       <p:ext uri="{BB962C8B-B14F-4D97-AF65-F5344CB8AC3E}">
-        <p14:creationId xmlns:p14="http://schemas.microsoft.com/office/powerpoint/2010/main" val="1984724732"/>
+        <p14:creationId xmlns:p14="http://schemas.microsoft.com/office/powerpoint/2010/main" val="853634623"/>
       </p:ext>
     </p:extLst>
   </p:cSld>
@@ -6282,6 +7172,162 @@
           <p:cNvPr id="2" name="Titre 1">
             <a:extLst>
               <a:ext uri="{FF2B5EF4-FFF2-40B4-BE49-F238E27FC236}">
+                <a16:creationId xmlns:a16="http://schemas.microsoft.com/office/drawing/2014/main" id="{79477D2E-59D3-9C4D-9B60-4D444BB4E856}"/>
+              </a:ext>
+            </a:extLst>
+          </p:cNvPr>
+          <p:cNvSpPr>
+            <a:spLocks noGrp="1"/>
+          </p:cNvSpPr>
+          <p:nvPr>
+            <p:ph type="title"/>
+          </p:nvPr>
+        </p:nvSpPr>
+        <p:spPr/>
+        <p:txBody>
+          <a:bodyPr/>
+          <a:lstStyle/>
+          <a:p>
+            <a:pPr algn="ctr"/>
+            <a:r>
+              <a:rPr lang="fr-FR" dirty="0"/>
+              <a:t>1- Définition des concepts clés </a:t>
+            </a:r>
+          </a:p>
+        </p:txBody>
+      </p:sp>
+      <p:sp>
+        <p:nvSpPr>
+          <p:cNvPr id="3" name="Espace réservé du contenu 2">
+            <a:extLst>
+              <a:ext uri="{FF2B5EF4-FFF2-40B4-BE49-F238E27FC236}">
+                <a16:creationId xmlns:a16="http://schemas.microsoft.com/office/drawing/2014/main" id="{A9F24D1D-22F3-D14A-A32C-9F1270A03217}"/>
+              </a:ext>
+            </a:extLst>
+          </p:cNvPr>
+          <p:cNvSpPr>
+            <a:spLocks noGrp="1"/>
+          </p:cNvSpPr>
+          <p:nvPr>
+            <p:ph idx="1"/>
+          </p:nvPr>
+        </p:nvSpPr>
+        <p:spPr>
+          <a:xfrm>
+            <a:off x="677334" y="1610437"/>
+            <a:ext cx="8596668" cy="4430926"/>
+          </a:xfrm>
+        </p:spPr>
+        <p:txBody>
+          <a:bodyPr/>
+          <a:lstStyle/>
+          <a:p>
+            <a:endParaRPr lang="fr-FR" dirty="0"/>
+          </a:p>
+          <a:p>
+            <a:r>
+              <a:rPr lang="fr-FR" dirty="0"/>
+              <a:t>On peut mesurer les statistiques d’un site à travers </a:t>
+            </a:r>
+            <a:r>
+              <a:rPr lang="fr-FR" b="1" dirty="0"/>
+              <a:t>Google </a:t>
+            </a:r>
+            <a:r>
+              <a:rPr lang="fr-FR" b="1" dirty="0" err="1"/>
+              <a:t>Analytics</a:t>
+            </a:r>
+            <a:r>
+              <a:rPr lang="fr-FR" dirty="0"/>
+              <a:t>, il permet de suivre en direct et d’analyser les performances de votre site.</a:t>
+            </a:r>
+          </a:p>
+          <a:p>
+            <a:endParaRPr lang="fr-FR" dirty="0"/>
+          </a:p>
+          <a:p>
+            <a:r>
+              <a:rPr lang="fr-FR" b="1" dirty="0"/>
+              <a:t>Les indicateurs de performance sont</a:t>
+            </a:r>
+            <a:r>
+              <a:rPr lang="fr-FR" dirty="0"/>
+              <a:t>:</a:t>
+            </a:r>
+          </a:p>
+          <a:p>
+            <a:pPr marL="0" indent="0">
+              <a:buNone/>
+            </a:pPr>
+            <a:r>
+              <a:rPr lang="fr-FR" dirty="0"/>
+              <a:t>	- le nombre de pages vues,</a:t>
+            </a:r>
+          </a:p>
+          <a:p>
+            <a:pPr marL="0" indent="0">
+              <a:buNone/>
+            </a:pPr>
+            <a:r>
+              <a:rPr lang="fr-FR" dirty="0"/>
+              <a:t>	- le temps moyen passé sur la page, </a:t>
+            </a:r>
+          </a:p>
+          <a:p>
+            <a:pPr marL="0" indent="0">
+              <a:buNone/>
+            </a:pPr>
+            <a:r>
+              <a:rPr lang="fr-FR" dirty="0"/>
+              <a:t>	- la durée moyenne par visiteur,</a:t>
+            </a:r>
+          </a:p>
+          <a:p>
+            <a:pPr marL="0" indent="0">
+              <a:buNone/>
+            </a:pPr>
+            <a:r>
+              <a:rPr lang="fr-FR" dirty="0"/>
+              <a:t>	- le taux de rebond: Pourcentage de visiteurs qui quitte après avoir consulté une seule page. </a:t>
+            </a:r>
+          </a:p>
+        </p:txBody>
+      </p:sp>
+    </p:spTree>
+    <p:extLst>
+      <p:ext uri="{BB962C8B-B14F-4D97-AF65-F5344CB8AC3E}">
+        <p14:creationId xmlns:p14="http://schemas.microsoft.com/office/powerpoint/2010/main" val="1984724732"/>
+      </p:ext>
+    </p:extLst>
+  </p:cSld>
+  <p:clrMapOvr>
+    <a:masterClrMapping/>
+  </p:clrMapOvr>
+</p:sld>
+</file>
+
+<file path=ppt/slides/slide7.xml><?xml version="1.0" encoding="utf-8"?>
+<p:sld xmlns:a="http://schemas.openxmlformats.org/drawingml/2006/main" xmlns:r="http://schemas.openxmlformats.org/officeDocument/2006/relationships" xmlns:p="http://schemas.openxmlformats.org/presentationml/2006/main">
+  <p:cSld>
+    <p:spTree>
+      <p:nvGrpSpPr>
+        <p:cNvPr id="1" name=""/>
+        <p:cNvGrpSpPr/>
+        <p:nvPr/>
+      </p:nvGrpSpPr>
+      <p:grpSpPr>
+        <a:xfrm>
+          <a:off x="0" y="0"/>
+          <a:ext cx="0" cy="0"/>
+          <a:chOff x="0" y="0"/>
+          <a:chExt cx="0" cy="0"/>
+        </a:xfrm>
+      </p:grpSpPr>
+      <p:sp>
+        <p:nvSpPr>
+          <p:cNvPr id="2" name="Titre 1">
+            <a:extLst>
+              <a:ext uri="{FF2B5EF4-FFF2-40B4-BE49-F238E27FC236}">
                 <a16:creationId xmlns:a16="http://schemas.microsoft.com/office/drawing/2014/main" id="{4B97C4FE-36F9-9A44-94BE-F0F27A173841}"/>
               </a:ext>
             </a:extLst>
@@ -6301,7 +7347,7 @@
             <a:pPr algn="ctr"/>
             <a:r>
               <a:rPr lang="fr-FR" dirty="0"/>
-              <a:t>Définition des concepts clés </a:t>
+              <a:t>1- Définition des concepts clés </a:t>
             </a:r>
           </a:p>
         </p:txBody>
@@ -6332,7 +7378,45 @@
             </a:pPr>
             <a:r>
               <a:rPr lang="fr-FR" b="1" dirty="0"/>
-              <a:t>Quels sont les enjeux du référencement ?  </a:t>
+              <a:t>Quels sont les enjeux du référencement ? </a:t>
+            </a:r>
+          </a:p>
+          <a:p>
+            <a:pPr marL="0" indent="0">
+              <a:buNone/>
+            </a:pPr>
+            <a:endParaRPr lang="fr-FR" b="1" dirty="0"/>
+          </a:p>
+          <a:p>
+            <a:pPr marL="0" indent="0">
+              <a:buNone/>
+            </a:pPr>
+            <a:r>
+              <a:rPr lang="fr-FR" dirty="0"/>
+              <a:t>Il se définit comme l’enregistrement d’un site web dans un ou plusieurs moteurs de recherche.</a:t>
+            </a:r>
+          </a:p>
+          <a:p>
+            <a:pPr marL="0" indent="0">
+              <a:buNone/>
+            </a:pPr>
+            <a:endParaRPr lang="fr-FR" dirty="0"/>
+          </a:p>
+          <a:p>
+            <a:pPr marL="0" indent="0">
+              <a:buNone/>
+            </a:pPr>
+            <a:r>
+              <a:rPr lang="fr-FR" dirty="0"/>
+              <a:t>Le but principal de cette opération est de rendre le site </a:t>
+            </a:r>
+            <a:r>
+              <a:rPr lang="fr-FR" b="1" dirty="0"/>
+              <a:t>plus visible et d’accroitre sa notoriété</a:t>
+            </a:r>
+            <a:r>
+              <a:rPr lang="fr-FR" dirty="0"/>
+              <a:t>. </a:t>
             </a:r>
           </a:p>
         </p:txBody>
@@ -6341,6 +7425,332 @@
     <p:extLst>
       <p:ext uri="{BB962C8B-B14F-4D97-AF65-F5344CB8AC3E}">
         <p14:creationId xmlns:p14="http://schemas.microsoft.com/office/powerpoint/2010/main" val="252408562"/>
+      </p:ext>
+    </p:extLst>
+  </p:cSld>
+  <p:clrMapOvr>
+    <a:masterClrMapping/>
+  </p:clrMapOvr>
+</p:sld>
+</file>
+
+<file path=ppt/slides/slide8.xml><?xml version="1.0" encoding="utf-8"?>
+<p:sld xmlns:a="http://schemas.openxmlformats.org/drawingml/2006/main" xmlns:r="http://schemas.openxmlformats.org/officeDocument/2006/relationships" xmlns:p="http://schemas.openxmlformats.org/presentationml/2006/main">
+  <p:cSld>
+    <p:spTree>
+      <p:nvGrpSpPr>
+        <p:cNvPr id="1" name=""/>
+        <p:cNvGrpSpPr/>
+        <p:nvPr/>
+      </p:nvGrpSpPr>
+      <p:grpSpPr>
+        <a:xfrm>
+          <a:off x="0" y="0"/>
+          <a:ext cx="0" cy="0"/>
+          <a:chOff x="0" y="0"/>
+          <a:chExt cx="0" cy="0"/>
+        </a:xfrm>
+      </p:grpSpPr>
+      <p:sp>
+        <p:nvSpPr>
+          <p:cNvPr id="2" name="Titre 1">
+            <a:extLst>
+              <a:ext uri="{FF2B5EF4-FFF2-40B4-BE49-F238E27FC236}">
+                <a16:creationId xmlns:a16="http://schemas.microsoft.com/office/drawing/2014/main" id="{DBFCA1E1-2D2F-834C-B679-8528F0A51F39}"/>
+              </a:ext>
+            </a:extLst>
+          </p:cNvPr>
+          <p:cNvSpPr>
+            <a:spLocks noGrp="1"/>
+          </p:cNvSpPr>
+          <p:nvPr>
+            <p:ph type="title"/>
+          </p:nvPr>
+        </p:nvSpPr>
+        <p:spPr/>
+        <p:txBody>
+          <a:bodyPr/>
+          <a:lstStyle/>
+          <a:p>
+            <a:pPr algn="ctr"/>
+            <a:r>
+              <a:rPr lang="fr-FR" dirty="0"/>
+              <a:t>2- Analyse de l’état actuel du SEO</a:t>
+            </a:r>
+          </a:p>
+        </p:txBody>
+      </p:sp>
+      <p:sp>
+        <p:nvSpPr>
+          <p:cNvPr id="3" name="Espace réservé du contenu 2">
+            <a:extLst>
+              <a:ext uri="{FF2B5EF4-FFF2-40B4-BE49-F238E27FC236}">
+                <a16:creationId xmlns:a16="http://schemas.microsoft.com/office/drawing/2014/main" id="{DBADF717-ED2E-2143-AED2-F9D3CCA63DC8}"/>
+              </a:ext>
+            </a:extLst>
+          </p:cNvPr>
+          <p:cNvSpPr>
+            <a:spLocks noGrp="1"/>
+          </p:cNvSpPr>
+          <p:nvPr>
+            <p:ph idx="1"/>
+          </p:nvPr>
+        </p:nvSpPr>
+        <p:spPr>
+          <a:xfrm>
+            <a:off x="677334" y="1828801"/>
+            <a:ext cx="8596668" cy="4212562"/>
+          </a:xfrm>
+        </p:spPr>
+        <p:txBody>
+          <a:bodyPr/>
+          <a:lstStyle/>
+          <a:p>
+            <a:endParaRPr lang="fr-FR" dirty="0"/>
+          </a:p>
+          <a:p>
+            <a:r>
+              <a:rPr lang="fr-FR" dirty="0"/>
+              <a:t>En fonction du fichier </a:t>
+            </a:r>
+            <a:r>
+              <a:rPr lang="fr-FR" dirty="0" err="1"/>
+              <a:t>excel</a:t>
+            </a:r>
+            <a:r>
+              <a:rPr lang="fr-FR" dirty="0"/>
+              <a:t> modèle qui nous a été fourni, nous avons énuméré les problèmes du site en fonction des 3 catégories (</a:t>
+            </a:r>
+            <a:r>
+              <a:rPr lang="fr-FR" b="1" dirty="0"/>
+              <a:t>SEO</a:t>
+            </a:r>
+            <a:r>
+              <a:rPr lang="fr-FR" dirty="0"/>
+              <a:t>, </a:t>
+            </a:r>
+            <a:r>
+              <a:rPr lang="fr-FR" b="1" dirty="0"/>
+              <a:t>Accessibilité</a:t>
+            </a:r>
+            <a:r>
+              <a:rPr lang="fr-FR" dirty="0"/>
+              <a:t> et </a:t>
+            </a:r>
+            <a:r>
+              <a:rPr lang="fr-FR" b="1" dirty="0"/>
+              <a:t>Performance</a:t>
+            </a:r>
+            <a:r>
+              <a:rPr lang="fr-FR" dirty="0"/>
+              <a:t>). </a:t>
+            </a:r>
+          </a:p>
+          <a:p>
+            <a:r>
+              <a:rPr lang="fr-FR" dirty="0"/>
+              <a:t>Se référer au tableau Excel. </a:t>
+            </a:r>
+          </a:p>
+          <a:p>
+            <a:endParaRPr lang="fr-FR" dirty="0"/>
+          </a:p>
+        </p:txBody>
+      </p:sp>
+    </p:spTree>
+    <p:extLst>
+      <p:ext uri="{BB962C8B-B14F-4D97-AF65-F5344CB8AC3E}">
+        <p14:creationId xmlns:p14="http://schemas.microsoft.com/office/powerpoint/2010/main" val="2848411937"/>
+      </p:ext>
+    </p:extLst>
+  </p:cSld>
+  <p:clrMapOvr>
+    <a:masterClrMapping/>
+  </p:clrMapOvr>
+</p:sld>
+</file>
+
+<file path=ppt/slides/slide9.xml><?xml version="1.0" encoding="utf-8"?>
+<p:sld xmlns:a="http://schemas.openxmlformats.org/drawingml/2006/main" xmlns:r="http://schemas.openxmlformats.org/officeDocument/2006/relationships" xmlns:p="http://schemas.openxmlformats.org/presentationml/2006/main">
+  <p:cSld>
+    <p:spTree>
+      <p:nvGrpSpPr>
+        <p:cNvPr id="1" name=""/>
+        <p:cNvGrpSpPr/>
+        <p:nvPr/>
+      </p:nvGrpSpPr>
+      <p:grpSpPr>
+        <a:xfrm>
+          <a:off x="0" y="0"/>
+          <a:ext cx="0" cy="0"/>
+          <a:chOff x="0" y="0"/>
+          <a:chExt cx="0" cy="0"/>
+        </a:xfrm>
+      </p:grpSpPr>
+      <p:sp>
+        <p:nvSpPr>
+          <p:cNvPr id="2" name="Titre 1">
+            <a:extLst>
+              <a:ext uri="{FF2B5EF4-FFF2-40B4-BE49-F238E27FC236}">
+                <a16:creationId xmlns:a16="http://schemas.microsoft.com/office/drawing/2014/main" id="{954D506F-D105-CC47-A872-C8A2C315358C}"/>
+              </a:ext>
+            </a:extLst>
+          </p:cNvPr>
+          <p:cNvSpPr>
+            <a:spLocks noGrp="1"/>
+          </p:cNvSpPr>
+          <p:nvPr>
+            <p:ph type="title"/>
+          </p:nvPr>
+        </p:nvSpPr>
+        <p:spPr/>
+        <p:txBody>
+          <a:bodyPr/>
+          <a:lstStyle/>
+          <a:p>
+            <a:pPr algn="ctr"/>
+            <a:r>
+              <a:rPr lang="fr-FR" dirty="0"/>
+              <a:t>3- Les 10 recommandations SEO</a:t>
+            </a:r>
+          </a:p>
+        </p:txBody>
+      </p:sp>
+      <p:sp>
+        <p:nvSpPr>
+          <p:cNvPr id="3" name="Espace réservé du contenu 2">
+            <a:extLst>
+              <a:ext uri="{FF2B5EF4-FFF2-40B4-BE49-F238E27FC236}">
+                <a16:creationId xmlns:a16="http://schemas.microsoft.com/office/drawing/2014/main" id="{838D6689-3518-2146-B1FF-5BF71A40510F}"/>
+              </a:ext>
+            </a:extLst>
+          </p:cNvPr>
+          <p:cNvSpPr>
+            <a:spLocks noGrp="1"/>
+          </p:cNvSpPr>
+          <p:nvPr>
+            <p:ph idx="1"/>
+          </p:nvPr>
+        </p:nvSpPr>
+        <p:spPr>
+          <a:xfrm>
+            <a:off x="677334" y="1624085"/>
+            <a:ext cx="8596668" cy="4417278"/>
+          </a:xfrm>
+        </p:spPr>
+        <p:txBody>
+          <a:bodyPr/>
+          <a:lstStyle/>
+          <a:p>
+            <a:pPr algn="ctr"/>
+            <a:endParaRPr lang="fr-FR" dirty="0"/>
+          </a:p>
+          <a:p>
+            <a:pPr algn="ctr"/>
+            <a:r>
+              <a:rPr lang="fr-FR" dirty="0"/>
+              <a:t>Du côté </a:t>
+            </a:r>
+            <a:r>
+              <a:rPr lang="fr-FR" b="1" dirty="0"/>
+              <a:t>SEO</a:t>
+            </a:r>
+            <a:r>
+              <a:rPr lang="fr-FR" dirty="0"/>
+              <a:t> nous recommandons:</a:t>
+            </a:r>
+          </a:p>
+          <a:p>
+            <a:pPr algn="ctr"/>
+            <a:endParaRPr lang="fr-FR" dirty="0"/>
+          </a:p>
+          <a:p>
+            <a:pPr marL="0" indent="0">
+              <a:buNone/>
+            </a:pPr>
+            <a:r>
+              <a:rPr lang="fr-FR" dirty="0"/>
+              <a:t> 	1- La balise </a:t>
+            </a:r>
+            <a:r>
+              <a:rPr lang="fr-FR" b="1" dirty="0"/>
+              <a:t>méta-</a:t>
+            </a:r>
+            <a:r>
+              <a:rPr lang="fr-FR" b="1" dirty="0" err="1"/>
+              <a:t>title</a:t>
+            </a:r>
+            <a:r>
+              <a:rPr lang="fr-FR" dirty="0"/>
+              <a:t> n’est pas renseigné, </a:t>
+            </a:r>
+          </a:p>
+          <a:p>
+            <a:pPr marL="0" indent="0">
+              <a:buNone/>
+            </a:pPr>
+            <a:r>
+              <a:rPr lang="fr-FR" dirty="0"/>
+              <a:t>	2- la balise </a:t>
+            </a:r>
+            <a:r>
+              <a:rPr lang="fr-FR" b="1" dirty="0"/>
+              <a:t>méta-description</a:t>
+            </a:r>
+            <a:r>
+              <a:rPr lang="fr-FR" dirty="0"/>
+              <a:t> est mal faite,</a:t>
+            </a:r>
+          </a:p>
+          <a:p>
+            <a:pPr marL="0" indent="0">
+              <a:buNone/>
+            </a:pPr>
+            <a:r>
+              <a:rPr lang="fr-FR" dirty="0"/>
+              <a:t>	3- le contenu de la page ne respecte pas la </a:t>
+            </a:r>
+            <a:r>
+              <a:rPr lang="fr-FR" b="1" dirty="0"/>
+              <a:t>hiérarchie</a:t>
+            </a:r>
+            <a:r>
+              <a:rPr lang="fr-FR" dirty="0"/>
+              <a:t>,</a:t>
+            </a:r>
+          </a:p>
+          <a:p>
+            <a:pPr marL="0" indent="0">
+              <a:buNone/>
+            </a:pPr>
+            <a:r>
+              <a:rPr lang="fr-FR" dirty="0"/>
+              <a:t> 	4- la racine du site manque les instructions pour les </a:t>
+            </a:r>
+            <a:r>
+              <a:rPr lang="fr-FR" b="1" dirty="0"/>
+              <a:t>robots d’indexation</a:t>
+            </a:r>
+            <a:r>
+              <a:rPr lang="fr-FR" dirty="0"/>
+              <a:t>,</a:t>
+            </a:r>
+          </a:p>
+          <a:p>
+            <a:pPr marL="0" indent="0">
+              <a:buNone/>
+            </a:pPr>
+            <a:r>
+              <a:rPr lang="fr-FR" dirty="0"/>
+              <a:t>	</a:t>
+            </a:r>
+          </a:p>
+        </p:txBody>
+      </p:sp>
+    </p:spTree>
+    <p:extLst>
+      <p:ext uri="{BB962C8B-B14F-4D97-AF65-F5344CB8AC3E}">
+        <p14:creationId xmlns:p14="http://schemas.microsoft.com/office/powerpoint/2010/main" val="152674194"/>
       </p:ext>
     </p:extLst>
   </p:cSld>
